--- a/Task manager App/Readme.pptx
+++ b/Task manager App/Readme.pptx
@@ -107,6 +107,11 @@
       </a:defRPr>
     </a:lvl9pPr>
   </p:defaultTextStyle>
+  <p:extLst>
+    <p:ext uri="{EFAFB233-063F-42B5-8137-9DF3F51BA10A}">
+      <p15:sldGuideLst xmlns:p15="http://schemas.microsoft.com/office/powerpoint/2012/main"/>
+    </p:ext>
+  </p:extLst>
 </p:presentation>
 </file>
 
@@ -3220,39 +3225,6 @@
           </a:prstGeom>
         </p:spPr>
       </p:pic>
-      <p:cxnSp>
-        <p:nvCxnSpPr>
-          <p:cNvPr id="7" name="Straight Arrow Connector 6"/>
-          <p:cNvCxnSpPr/>
-          <p:nvPr/>
-        </p:nvCxnSpPr>
-        <p:spPr>
-          <a:xfrm flipV="1">
-            <a:off x="7547212" y="2825087"/>
-            <a:ext cx="27295" cy="1091820"/>
-          </a:xfrm>
-          <a:prstGeom prst="straightConnector1">
-            <a:avLst/>
-          </a:prstGeom>
-          <a:ln>
-            <a:tailEnd type="triangle"/>
-          </a:ln>
-        </p:spPr>
-        <p:style>
-          <a:lnRef idx="1">
-            <a:schemeClr val="accent1"/>
-          </a:lnRef>
-          <a:fillRef idx="0">
-            <a:schemeClr val="accent1"/>
-          </a:fillRef>
-          <a:effectRef idx="0">
-            <a:schemeClr val="accent1"/>
-          </a:effectRef>
-          <a:fontRef idx="minor">
-            <a:schemeClr val="tx1"/>
-          </a:fontRef>
-        </p:style>
-      </p:cxnSp>
       <p:sp>
         <p:nvSpPr>
           <p:cNvPr id="8" name="TextBox 7"/>
